--- a/Document/APM_workorder_workflow.pptx
+++ b/Document/APM_workorder_workflow.pptx
@@ -241,7 +241,7 @@
           <a:p>
             <a:fld id="{9F3EB540-AEA8-4B7C-BF87-20D25319BE00}" type="datetimeFigureOut">
               <a:rPr lang="en-US" smtClean="0"/>
-              <a:t>5/19/2017</a:t>
+              <a:t>5/22/2017</a:t>
             </a:fld>
             <a:endParaRPr lang="en-US"/>
           </a:p>
@@ -409,7 +409,7 @@
           <a:p>
             <a:fld id="{9F3EB540-AEA8-4B7C-BF87-20D25319BE00}" type="datetimeFigureOut">
               <a:rPr lang="en-US" smtClean="0"/>
-              <a:t>5/19/2017</a:t>
+              <a:t>5/22/2017</a:t>
             </a:fld>
             <a:endParaRPr lang="en-US"/>
           </a:p>
@@ -587,7 +587,7 @@
           <a:p>
             <a:fld id="{9F3EB540-AEA8-4B7C-BF87-20D25319BE00}" type="datetimeFigureOut">
               <a:rPr lang="en-US" smtClean="0"/>
-              <a:t>5/19/2017</a:t>
+              <a:t>5/22/2017</a:t>
             </a:fld>
             <a:endParaRPr lang="en-US"/>
           </a:p>
@@ -755,7 +755,7 @@
           <a:p>
             <a:fld id="{9F3EB540-AEA8-4B7C-BF87-20D25319BE00}" type="datetimeFigureOut">
               <a:rPr lang="en-US" smtClean="0"/>
-              <a:t>5/19/2017</a:t>
+              <a:t>5/22/2017</a:t>
             </a:fld>
             <a:endParaRPr lang="en-US"/>
           </a:p>
@@ -1000,7 +1000,7 @@
           <a:p>
             <a:fld id="{9F3EB540-AEA8-4B7C-BF87-20D25319BE00}" type="datetimeFigureOut">
               <a:rPr lang="en-US" smtClean="0"/>
-              <a:t>5/19/2017</a:t>
+              <a:t>5/22/2017</a:t>
             </a:fld>
             <a:endParaRPr lang="en-US"/>
           </a:p>
@@ -1229,7 +1229,7 @@
           <a:p>
             <a:fld id="{9F3EB540-AEA8-4B7C-BF87-20D25319BE00}" type="datetimeFigureOut">
               <a:rPr lang="en-US" smtClean="0"/>
-              <a:t>5/19/2017</a:t>
+              <a:t>5/22/2017</a:t>
             </a:fld>
             <a:endParaRPr lang="en-US"/>
           </a:p>
@@ -1593,7 +1593,7 @@
           <a:p>
             <a:fld id="{9F3EB540-AEA8-4B7C-BF87-20D25319BE00}" type="datetimeFigureOut">
               <a:rPr lang="en-US" smtClean="0"/>
-              <a:t>5/19/2017</a:t>
+              <a:t>5/22/2017</a:t>
             </a:fld>
             <a:endParaRPr lang="en-US"/>
           </a:p>
@@ -1710,7 +1710,7 @@
           <a:p>
             <a:fld id="{9F3EB540-AEA8-4B7C-BF87-20D25319BE00}" type="datetimeFigureOut">
               <a:rPr lang="en-US" smtClean="0"/>
-              <a:t>5/19/2017</a:t>
+              <a:t>5/22/2017</a:t>
             </a:fld>
             <a:endParaRPr lang="en-US"/>
           </a:p>
@@ -1805,7 +1805,7 @@
           <a:p>
             <a:fld id="{9F3EB540-AEA8-4B7C-BF87-20D25319BE00}" type="datetimeFigureOut">
               <a:rPr lang="en-US" smtClean="0"/>
-              <a:t>5/19/2017</a:t>
+              <a:t>5/22/2017</a:t>
             </a:fld>
             <a:endParaRPr lang="en-US"/>
           </a:p>
@@ -2080,7 +2080,7 @@
           <a:p>
             <a:fld id="{9F3EB540-AEA8-4B7C-BF87-20D25319BE00}" type="datetimeFigureOut">
               <a:rPr lang="en-US" smtClean="0"/>
-              <a:t>5/19/2017</a:t>
+              <a:t>5/22/2017</a:t>
             </a:fld>
             <a:endParaRPr lang="en-US"/>
           </a:p>
@@ -2332,7 +2332,7 @@
           <a:p>
             <a:fld id="{9F3EB540-AEA8-4B7C-BF87-20D25319BE00}" type="datetimeFigureOut">
               <a:rPr lang="en-US" smtClean="0"/>
-              <a:t>5/19/2017</a:t>
+              <a:t>5/22/2017</a:t>
             </a:fld>
             <a:endParaRPr lang="en-US"/>
           </a:p>
@@ -2543,7 +2543,7 @@
           <a:p>
             <a:fld id="{9F3EB540-AEA8-4B7C-BF87-20D25319BE00}" type="datetimeFigureOut">
               <a:rPr lang="en-US" smtClean="0"/>
-              <a:t>5/19/2017</a:t>
+              <a:t>5/22/2017</a:t>
             </a:fld>
             <a:endParaRPr lang="en-US"/>
           </a:p>
@@ -3979,7 +3979,7 @@
         </p:nvSpPr>
         <p:spPr>
           <a:xfrm>
-            <a:off x="4979937" y="1459624"/>
+            <a:off x="3289990" y="1559815"/>
             <a:ext cx="2444437" cy="369332"/>
           </a:xfrm>
           <a:prstGeom prst="rect">
@@ -4859,9 +4859,9 @@
             </a:pPr>
             <a:r>
               <a:rPr lang="zh-CN" altLang="en-US" sz="1100" dirty="0"/>
-              <a:t>是否需要临床确认完工</a:t>
-            </a:r>
-            <a:endParaRPr lang="en-US" altLang="zh-CN" sz="1100" dirty="0"/>
+              <a:t>是否需要临床验收</a:t>
+            </a:r>
+            <a:endParaRPr lang="en-US" altLang="zh-CN" sz="1100"/>
           </a:p>
           <a:p>
             <a:pPr marL="171450" indent="-171450">
@@ -4869,8 +4869,12 @@
               <a:buChar char="•"/>
             </a:pPr>
             <a:r>
+              <a:rPr lang="zh-CN" altLang="en-US" sz="1100"/>
+              <a:t>各</a:t>
+            </a:r>
+            <a:r>
               <a:rPr lang="zh-CN" altLang="en-US" sz="1100" dirty="0"/>
-              <a:t>各个环节的超时时间</a:t>
+              <a:t>个环节的超时时间</a:t>
             </a:r>
             <a:endParaRPr lang="en-US" altLang="zh-CN" sz="1100" dirty="0"/>
           </a:p>
@@ -5448,7 +5452,7 @@
         <p:spPr>
           <a:xfrm>
             <a:off x="6278669" y="37331"/>
-            <a:ext cx="2556138" cy="1446550"/>
+            <a:ext cx="2556138" cy="1615827"/>
           </a:xfrm>
           <a:prstGeom prst="rect">
             <a:avLst/>
@@ -5580,6 +5584,17 @@
             <a:r>
               <a:rPr lang="en-US" altLang="zh-CN" sz="1100" dirty="0" err="1"/>
               <a:t>updateSR</a:t>
+            </a:r>
+            <a:endParaRPr lang="en-US" altLang="zh-CN" sz="1100" dirty="0"/>
+          </a:p>
+          <a:p>
+            <a:pPr marL="171450" indent="-171450">
+              <a:buFont typeface="Arial" panose="020B0604020202020204" pitchFamily="34" charset="0"/>
+              <a:buChar char="•"/>
+            </a:pPr>
+            <a:r>
+              <a:rPr lang="zh-CN" altLang="en-US" sz="1100" dirty="0"/>
+              <a:t>记录取物</a:t>
             </a:r>
             <a:endParaRPr lang="en-US" altLang="zh-CN" sz="1100" dirty="0"/>
           </a:p>
@@ -5800,7 +5815,7 @@
             <a:pPr algn="ctr"/>
             <a:r>
               <a:rPr lang="zh-CN" altLang="en-US" sz="1400" dirty="0"/>
-              <a:t>待确认</a:t>
+              <a:t>待验收</a:t>
             </a:r>
             <a:endParaRPr lang="en-US" sz="1400" dirty="0"/>
           </a:p>
@@ -6256,6 +6271,149 @@
               <a:t>随时可取消</a:t>
             </a:r>
             <a:endParaRPr lang="en-US" sz="1200" dirty="0"/>
+          </a:p>
+        </p:txBody>
+      </p:sp>
+      <p:sp>
+        <p:nvSpPr>
+          <p:cNvPr id="66" name="Rectangle 65"/>
+          <p:cNvSpPr/>
+          <p:nvPr/>
+        </p:nvSpPr>
+        <p:spPr>
+          <a:xfrm>
+            <a:off x="9439910" y="2028269"/>
+            <a:ext cx="1590894" cy="276999"/>
+          </a:xfrm>
+          <a:prstGeom prst="rect">
+            <a:avLst/>
+          </a:prstGeom>
+        </p:spPr>
+        <p:txBody>
+          <a:bodyPr wrap="square">
+            <a:spAutoFit/>
+          </a:bodyPr>
+          <a:lstStyle/>
+          <a:p>
+            <a:pPr algn="ctr"/>
+            <a:r>
+              <a:rPr lang="zh-CN" altLang="en-US" sz="1200" dirty="0"/>
+              <a:t>取物</a:t>
+            </a:r>
+            <a:r>
+              <a:rPr lang="en-US" altLang="zh-CN" sz="1200" dirty="0"/>
+              <a:t>/</a:t>
+            </a:r>
+            <a:r>
+              <a:rPr lang="zh-CN" altLang="en-US" sz="1200" dirty="0"/>
+              <a:t>医工</a:t>
+            </a:r>
+            <a:endParaRPr lang="en-US" sz="1200" dirty="0"/>
+          </a:p>
+        </p:txBody>
+      </p:sp>
+      <p:sp>
+        <p:nvSpPr>
+          <p:cNvPr id="71" name="Freeform: Shape 70"/>
+          <p:cNvSpPr/>
+          <p:nvPr/>
+        </p:nvSpPr>
+        <p:spPr>
+          <a:xfrm rot="12058045">
+            <a:off x="9845490" y="2273003"/>
+            <a:ext cx="385358" cy="453225"/>
+          </a:xfrm>
+          <a:custGeom>
+            <a:avLst/>
+            <a:gdLst>
+              <a:gd name="connsiteX0" fmla="*/ 143892 w 385358"/>
+              <a:gd name="connsiteY0" fmla="*/ 0 h 453225"/>
+              <a:gd name="connsiteX1" fmla="*/ 769 w 385358"/>
+              <a:gd name="connsiteY1" fmla="*/ 278296 h 453225"/>
+              <a:gd name="connsiteX2" fmla="*/ 199551 w 385358"/>
+              <a:gd name="connsiteY2" fmla="*/ 453225 h 453225"/>
+              <a:gd name="connsiteX3" fmla="*/ 382431 w 385358"/>
+              <a:gd name="connsiteY3" fmla="*/ 278296 h 453225"/>
+              <a:gd name="connsiteX4" fmla="*/ 294967 w 385358"/>
+              <a:gd name="connsiteY4" fmla="*/ 7952 h 453225"/>
+            </a:gdLst>
+            <a:ahLst/>
+            <a:cxnLst>
+              <a:cxn ang="0">
+                <a:pos x="connsiteX0" y="connsiteY0"/>
+              </a:cxn>
+              <a:cxn ang="0">
+                <a:pos x="connsiteX1" y="connsiteY1"/>
+              </a:cxn>
+              <a:cxn ang="0">
+                <a:pos x="connsiteX2" y="connsiteY2"/>
+              </a:cxn>
+              <a:cxn ang="0">
+                <a:pos x="connsiteX3" y="connsiteY3"/>
+              </a:cxn>
+              <a:cxn ang="0">
+                <a:pos x="connsiteX4" y="connsiteY4"/>
+              </a:cxn>
+            </a:cxnLst>
+            <a:rect l="l" t="t" r="r" b="b"/>
+            <a:pathLst>
+              <a:path w="385358" h="453225">
+                <a:moveTo>
+                  <a:pt x="143892" y="0"/>
+                </a:moveTo>
+                <a:cubicBezTo>
+                  <a:pt x="67692" y="101379"/>
+                  <a:pt x="-8507" y="202759"/>
+                  <a:pt x="769" y="278296"/>
+                </a:cubicBezTo>
+                <a:cubicBezTo>
+                  <a:pt x="10045" y="353833"/>
+                  <a:pt x="135941" y="453225"/>
+                  <a:pt x="199551" y="453225"/>
+                </a:cubicBezTo>
+                <a:cubicBezTo>
+                  <a:pt x="263161" y="453225"/>
+                  <a:pt x="366528" y="352508"/>
+                  <a:pt x="382431" y="278296"/>
+                </a:cubicBezTo>
+                <a:cubicBezTo>
+                  <a:pt x="398334" y="204084"/>
+                  <a:pt x="346650" y="106018"/>
+                  <a:pt x="294967" y="7952"/>
+                </a:cubicBezTo>
+              </a:path>
+            </a:pathLst>
+          </a:custGeom>
+          <a:noFill/>
+          <a:ln>
+            <a:solidFill>
+              <a:schemeClr val="tx1"/>
+            </a:solidFill>
+            <a:tailEnd type="triangle"/>
+          </a:ln>
+        </p:spPr>
+        <p:style>
+          <a:lnRef idx="2">
+            <a:schemeClr val="accent1">
+              <a:shade val="50000"/>
+            </a:schemeClr>
+          </a:lnRef>
+          <a:fillRef idx="1">
+            <a:schemeClr val="accent1"/>
+          </a:fillRef>
+          <a:effectRef idx="0">
+            <a:schemeClr val="accent1"/>
+          </a:effectRef>
+          <a:fontRef idx="minor">
+            <a:schemeClr val="lt1"/>
+          </a:fontRef>
+        </p:style>
+        <p:txBody>
+          <a:bodyPr rtlCol="0" anchor="ctr"/>
+          <a:lstStyle/>
+          <a:p>
+            <a:pPr algn="ctr"/>
+            <a:endParaRPr lang="en-US"/>
           </a:p>
         </p:txBody>
       </p:sp>
